--- a/CoffeeHouseSlides.pptx
+++ b/CoffeeHouseSlides.pptx
@@ -5,7 +5,7 @@
     <p:sldMasterId id="2147483673" r:id="rId1"/>
   </p:sldMasterIdLst>
   <p:notesMasterIdLst>
-    <p:notesMasterId r:id="rId17"/>
+    <p:notesMasterId r:id="rId16"/>
   </p:notesMasterIdLst>
   <p:sldIdLst>
     <p:sldId id="256" r:id="rId2"/>
@@ -15,28 +15,31 @@
     <p:sldId id="260" r:id="rId6"/>
     <p:sldId id="301" r:id="rId7"/>
     <p:sldId id="303" r:id="rId8"/>
-    <p:sldId id="305" r:id="rId9"/>
-    <p:sldId id="306" r:id="rId10"/>
-    <p:sldId id="307" r:id="rId11"/>
-    <p:sldId id="308" r:id="rId12"/>
-    <p:sldId id="261" r:id="rId13"/>
-    <p:sldId id="309" r:id="rId14"/>
-    <p:sldId id="310" r:id="rId15"/>
-    <p:sldId id="279" r:id="rId16"/>
+    <p:sldId id="306" r:id="rId9"/>
+    <p:sldId id="307" r:id="rId10"/>
+    <p:sldId id="308" r:id="rId11"/>
+    <p:sldId id="261" r:id="rId12"/>
+    <p:sldId id="309" r:id="rId13"/>
+    <p:sldId id="310" r:id="rId14"/>
+    <p:sldId id="279" r:id="rId15"/>
   </p:sldIdLst>
   <p:sldSz cx="9144000" cy="5143500" type="screen16x9"/>
   <p:notesSz cx="6858000" cy="9144000"/>
   <p:embeddedFontLst>
     <p:embeddedFont>
       <p:font typeface="Montserrat" panose="020B0604020202020204" charset="0"/>
-      <p:regular r:id="rId18"/>
-      <p:bold r:id="rId19"/>
-      <p:italic r:id="rId20"/>
-      <p:boldItalic r:id="rId21"/>
+      <p:regular r:id="rId17"/>
+      <p:bold r:id="rId18"/>
+      <p:italic r:id="rId19"/>
+      <p:boldItalic r:id="rId20"/>
     </p:embeddedFont>
     <p:embeddedFont>
       <p:font typeface="Lexend Deca Light" panose="020B0604020202020204" charset="0"/>
-      <p:regular r:id="rId22"/>
+      <p:regular r:id="rId21"/>
+      <p:bold r:id="rId22"/>
+    </p:embeddedFont>
+    <p:embeddedFont>
+      <p:font typeface="Mukta ExtraBold" panose="020B0604020202020204" charset="0"/>
       <p:bold r:id="rId23"/>
     </p:embeddedFont>
     <p:embeddedFont>
@@ -45,10 +48,6 @@
       <p:bold r:id="rId25"/>
       <p:italic r:id="rId26"/>
       <p:boldItalic r:id="rId27"/>
-    </p:embeddedFont>
-    <p:embeddedFont>
-      <p:font typeface="Mukta ExtraBold" panose="020B0604020202020204" charset="0"/>
-      <p:bold r:id="rId28"/>
     </p:embeddedFont>
   </p:embeddedFontLst>
   <p:defaultTextStyle>
@@ -821,6 +820,110 @@
               </a:spcAft>
               <a:buNone/>
             </a:pPr>
+            <a:endParaRPr dirty="0"/>
+          </a:p>
+        </p:txBody>
+      </p:sp>
+    </p:spTree>
+  </p:cSld>
+  <p:clrMapOvr>
+    <a:masterClrMapping/>
+  </p:clrMapOvr>
+</p:notes>
+</file>
+
+<file path=ppt/notesSlides/notesSlide10.xml><?xml version="1.0" encoding="utf-8"?>
+<p:notes xmlns:a="http://schemas.openxmlformats.org/drawingml/2006/main" xmlns:r="http://schemas.openxmlformats.org/officeDocument/2006/relationships" xmlns:p="http://schemas.openxmlformats.org/presentationml/2006/main" showMasterSp="0" showMasterPhAnim="0">
+  <p:cSld>
+    <p:spTree>
+      <p:nvGrpSpPr>
+        <p:cNvPr id="1" name="Shape 392"/>
+        <p:cNvGrpSpPr/>
+        <p:nvPr/>
+      </p:nvGrpSpPr>
+      <p:grpSpPr>
+        <a:xfrm>
+          <a:off x="0" y="0"/>
+          <a:ext cx="0" cy="0"/>
+          <a:chOff x="0" y="0"/>
+          <a:chExt cx="0" cy="0"/>
+        </a:xfrm>
+      </p:grpSpPr>
+      <p:sp>
+        <p:nvSpPr>
+          <p:cNvPr id="393" name="Google Shape;393;gd362d286f3_1_39:notes"/>
+          <p:cNvSpPr>
+            <a:spLocks noGrp="1" noRot="1" noChangeAspect="1"/>
+          </p:cNvSpPr>
+          <p:nvPr>
+            <p:ph type="sldImg" idx="2"/>
+          </p:nvPr>
+        </p:nvSpPr>
+        <p:spPr>
+          <a:xfrm>
+            <a:off x="381000" y="685800"/>
+            <a:ext cx="6096000" cy="3429000"/>
+          </a:xfrm>
+          <a:custGeom>
+            <a:avLst/>
+            <a:gdLst/>
+            <a:ahLst/>
+            <a:cxnLst/>
+            <a:rect l="l" t="t" r="r" b="b"/>
+            <a:pathLst>
+              <a:path w="120000" h="120000" extrusionOk="0">
+                <a:moveTo>
+                  <a:pt x="0" y="0"/>
+                </a:moveTo>
+                <a:lnTo>
+                  <a:pt x="120000" y="0"/>
+                </a:lnTo>
+                <a:lnTo>
+                  <a:pt x="120000" y="120000"/>
+                </a:lnTo>
+                <a:lnTo>
+                  <a:pt x="0" y="120000"/>
+                </a:lnTo>
+                <a:close/>
+              </a:path>
+            </a:pathLst>
+          </a:custGeom>
+        </p:spPr>
+      </p:sp>
+      <p:sp>
+        <p:nvSpPr>
+          <p:cNvPr id="394" name="Google Shape;394;gd362d286f3_1_39:notes"/>
+          <p:cNvSpPr txBox="1">
+            <a:spLocks noGrp="1"/>
+          </p:cNvSpPr>
+          <p:nvPr>
+            <p:ph type="body" idx="1"/>
+          </p:nvPr>
+        </p:nvSpPr>
+        <p:spPr>
+          <a:xfrm>
+            <a:off x="685800" y="4343400"/>
+            <a:ext cx="5486400" cy="4114800"/>
+          </a:xfrm>
+          <a:prstGeom prst="rect">
+            <a:avLst/>
+          </a:prstGeom>
+        </p:spPr>
+        <p:txBody>
+          <a:bodyPr spcFirstLastPara="1" wrap="square" lIns="91425" tIns="91425" rIns="91425" bIns="91425" anchor="t" anchorCtr="0">
+            <a:noAutofit/>
+          </a:bodyPr>
+          <a:lstStyle/>
+          <a:p>
+            <a:pPr marL="0" lvl="0" indent="0" algn="l" rtl="0">
+              <a:spcBef>
+                <a:spcPts val="0"/>
+              </a:spcBef>
+              <a:spcAft>
+                <a:spcPts val="0"/>
+              </a:spcAft>
+              <a:buNone/>
+            </a:pPr>
             <a:endParaRPr/>
           </a:p>
         </p:txBody>
@@ -833,7 +936,7 @@
 </p:notes>
 </file>
 
-<file path=ppt/notesSlides/notesSlide10.xml><?xml version="1.0" encoding="utf-8"?>
+<file path=ppt/notesSlides/notesSlide11.xml><?xml version="1.0" encoding="utf-8"?>
 <p:notes xmlns:a="http://schemas.openxmlformats.org/drawingml/2006/main" xmlns:r="http://schemas.openxmlformats.org/officeDocument/2006/relationships" xmlns:p="http://schemas.openxmlformats.org/presentationml/2006/main" showMasterSp="0" showMasterPhAnim="0">
   <p:cSld>
     <p:spTree>
@@ -932,7 +1035,7 @@
     </p:spTree>
     <p:extLst>
       <p:ext uri="{BB962C8B-B14F-4D97-AF65-F5344CB8AC3E}">
-        <p14:creationId xmlns:p14="http://schemas.microsoft.com/office/powerpoint/2010/main" val="2695727543"/>
+        <p14:creationId xmlns:p14="http://schemas.microsoft.com/office/powerpoint/2010/main" val="1709555776"/>
       </p:ext>
     </p:extLst>
   </p:cSld>
@@ -942,7 +1045,7 @@
 </p:notes>
 </file>
 
-<file path=ppt/notesSlides/notesSlide11.xml><?xml version="1.0" encoding="utf-8"?>
+<file path=ppt/notesSlides/notesSlide12.xml><?xml version="1.0" encoding="utf-8"?>
 <p:notes xmlns:a="http://schemas.openxmlformats.org/drawingml/2006/main" xmlns:r="http://schemas.openxmlformats.org/officeDocument/2006/relationships" xmlns:p="http://schemas.openxmlformats.org/presentationml/2006/main" showMasterSp="0" showMasterPhAnim="0">
   <p:cSld>
     <p:spTree>
@@ -1039,219 +1142,6 @@
         </p:txBody>
       </p:sp>
     </p:spTree>
-  </p:cSld>
-  <p:clrMapOvr>
-    <a:masterClrMapping/>
-  </p:clrMapOvr>
-</p:notes>
-</file>
-
-<file path=ppt/notesSlides/notesSlide12.xml><?xml version="1.0" encoding="utf-8"?>
-<p:notes xmlns:a="http://schemas.openxmlformats.org/drawingml/2006/main" xmlns:r="http://schemas.openxmlformats.org/officeDocument/2006/relationships" xmlns:p="http://schemas.openxmlformats.org/presentationml/2006/main" showMasterSp="0" showMasterPhAnim="0">
-  <p:cSld>
-    <p:spTree>
-      <p:nvGrpSpPr>
-        <p:cNvPr id="1" name="Shape 369"/>
-        <p:cNvGrpSpPr/>
-        <p:nvPr/>
-      </p:nvGrpSpPr>
-      <p:grpSpPr>
-        <a:xfrm>
-          <a:off x="0" y="0"/>
-          <a:ext cx="0" cy="0"/>
-          <a:chOff x="0" y="0"/>
-          <a:chExt cx="0" cy="0"/>
-        </a:xfrm>
-      </p:grpSpPr>
-      <p:sp>
-        <p:nvSpPr>
-          <p:cNvPr id="370" name="Google Shape;370;gd362d286f3_1_18:notes"/>
-          <p:cNvSpPr>
-            <a:spLocks noGrp="1" noRot="1" noChangeAspect="1"/>
-          </p:cNvSpPr>
-          <p:nvPr>
-            <p:ph type="sldImg" idx="2"/>
-          </p:nvPr>
-        </p:nvSpPr>
-        <p:spPr>
-          <a:xfrm>
-            <a:off x="381000" y="685800"/>
-            <a:ext cx="6096000" cy="3429000"/>
-          </a:xfrm>
-          <a:custGeom>
-            <a:avLst/>
-            <a:gdLst/>
-            <a:ahLst/>
-            <a:cxnLst/>
-            <a:rect l="l" t="t" r="r" b="b"/>
-            <a:pathLst>
-              <a:path w="120000" h="120000" extrusionOk="0">
-                <a:moveTo>
-                  <a:pt x="0" y="0"/>
-                </a:moveTo>
-                <a:lnTo>
-                  <a:pt x="120000" y="0"/>
-                </a:lnTo>
-                <a:lnTo>
-                  <a:pt x="120000" y="120000"/>
-                </a:lnTo>
-                <a:lnTo>
-                  <a:pt x="0" y="120000"/>
-                </a:lnTo>
-                <a:close/>
-              </a:path>
-            </a:pathLst>
-          </a:custGeom>
-        </p:spPr>
-      </p:sp>
-      <p:sp>
-        <p:nvSpPr>
-          <p:cNvPr id="371" name="Google Shape;371;gd362d286f3_1_18:notes"/>
-          <p:cNvSpPr txBox="1">
-            <a:spLocks noGrp="1"/>
-          </p:cNvSpPr>
-          <p:nvPr>
-            <p:ph type="body" idx="1"/>
-          </p:nvPr>
-        </p:nvSpPr>
-        <p:spPr>
-          <a:xfrm>
-            <a:off x="685800" y="4343400"/>
-            <a:ext cx="5486400" cy="4114800"/>
-          </a:xfrm>
-          <a:prstGeom prst="rect">
-            <a:avLst/>
-          </a:prstGeom>
-        </p:spPr>
-        <p:txBody>
-          <a:bodyPr spcFirstLastPara="1" wrap="square" lIns="91425" tIns="91425" rIns="91425" bIns="91425" anchor="t" anchorCtr="0">
-            <a:noAutofit/>
-          </a:bodyPr>
-          <a:lstStyle/>
-          <a:p>
-            <a:pPr marL="0" lvl="0" indent="0" algn="l" rtl="0">
-              <a:spcBef>
-                <a:spcPts val="0"/>
-              </a:spcBef>
-              <a:spcAft>
-                <a:spcPts val="0"/>
-              </a:spcAft>
-              <a:buNone/>
-            </a:pPr>
-            <a:endParaRPr/>
-          </a:p>
-        </p:txBody>
-      </p:sp>
-    </p:spTree>
-    <p:extLst>
-      <p:ext uri="{BB962C8B-B14F-4D97-AF65-F5344CB8AC3E}">
-        <p14:creationId xmlns:p14="http://schemas.microsoft.com/office/powerpoint/2010/main" val="1709555776"/>
-      </p:ext>
-    </p:extLst>
-  </p:cSld>
-  <p:clrMapOvr>
-    <a:masterClrMapping/>
-  </p:clrMapOvr>
-</p:notes>
-</file>
-
-<file path=ppt/notesSlides/notesSlide13.xml><?xml version="1.0" encoding="utf-8"?>
-<p:notes xmlns:a="http://schemas.openxmlformats.org/drawingml/2006/main" xmlns:r="http://schemas.openxmlformats.org/officeDocument/2006/relationships" xmlns:p="http://schemas.openxmlformats.org/presentationml/2006/main" showMasterSp="0" showMasterPhAnim="0">
-  <p:cSld>
-    <p:spTree>
-      <p:nvGrpSpPr>
-        <p:cNvPr id="1" name="Shape 392"/>
-        <p:cNvGrpSpPr/>
-        <p:nvPr/>
-      </p:nvGrpSpPr>
-      <p:grpSpPr>
-        <a:xfrm>
-          <a:off x="0" y="0"/>
-          <a:ext cx="0" cy="0"/>
-          <a:chOff x="0" y="0"/>
-          <a:chExt cx="0" cy="0"/>
-        </a:xfrm>
-      </p:grpSpPr>
-      <p:sp>
-        <p:nvSpPr>
-          <p:cNvPr id="393" name="Google Shape;393;gd362d286f3_1_39:notes"/>
-          <p:cNvSpPr>
-            <a:spLocks noGrp="1" noRot="1" noChangeAspect="1"/>
-          </p:cNvSpPr>
-          <p:nvPr>
-            <p:ph type="sldImg" idx="2"/>
-          </p:nvPr>
-        </p:nvSpPr>
-        <p:spPr>
-          <a:xfrm>
-            <a:off x="381000" y="685800"/>
-            <a:ext cx="6096000" cy="3429000"/>
-          </a:xfrm>
-          <a:custGeom>
-            <a:avLst/>
-            <a:gdLst/>
-            <a:ahLst/>
-            <a:cxnLst/>
-            <a:rect l="l" t="t" r="r" b="b"/>
-            <a:pathLst>
-              <a:path w="120000" h="120000" extrusionOk="0">
-                <a:moveTo>
-                  <a:pt x="0" y="0"/>
-                </a:moveTo>
-                <a:lnTo>
-                  <a:pt x="120000" y="0"/>
-                </a:lnTo>
-                <a:lnTo>
-                  <a:pt x="120000" y="120000"/>
-                </a:lnTo>
-                <a:lnTo>
-                  <a:pt x="0" y="120000"/>
-                </a:lnTo>
-                <a:close/>
-              </a:path>
-            </a:pathLst>
-          </a:custGeom>
-        </p:spPr>
-      </p:sp>
-      <p:sp>
-        <p:nvSpPr>
-          <p:cNvPr id="394" name="Google Shape;394;gd362d286f3_1_39:notes"/>
-          <p:cNvSpPr txBox="1">
-            <a:spLocks noGrp="1"/>
-          </p:cNvSpPr>
-          <p:nvPr>
-            <p:ph type="body" idx="1"/>
-          </p:nvPr>
-        </p:nvSpPr>
-        <p:spPr>
-          <a:xfrm>
-            <a:off x="685800" y="4343400"/>
-            <a:ext cx="5486400" cy="4114800"/>
-          </a:xfrm>
-          <a:prstGeom prst="rect">
-            <a:avLst/>
-          </a:prstGeom>
-        </p:spPr>
-        <p:txBody>
-          <a:bodyPr spcFirstLastPara="1" wrap="square" lIns="91425" tIns="91425" rIns="91425" bIns="91425" anchor="t" anchorCtr="0">
-            <a:noAutofit/>
-          </a:bodyPr>
-          <a:lstStyle/>
-          <a:p>
-            <a:pPr marL="0" lvl="0" indent="0" algn="l" rtl="0">
-              <a:spcBef>
-                <a:spcPts val="0"/>
-              </a:spcBef>
-              <a:spcAft>
-                <a:spcPts val="0"/>
-              </a:spcAft>
-              <a:buNone/>
-            </a:pPr>
-            <a:endParaRPr/>
-          </a:p>
-        </p:txBody>
-      </p:sp>
-    </p:spTree>
     <p:extLst>
       <p:ext uri="{BB962C8B-B14F-4D97-AF65-F5344CB8AC3E}">
         <p14:creationId xmlns:p14="http://schemas.microsoft.com/office/powerpoint/2010/main" val="101508406"/>
@@ -1264,7 +1154,7 @@
 </p:notes>
 </file>
 
-<file path=ppt/notesSlides/notesSlide14.xml><?xml version="1.0" encoding="utf-8"?>
+<file path=ppt/notesSlides/notesSlide13.xml><?xml version="1.0" encoding="utf-8"?>
 <p:notes xmlns:a="http://schemas.openxmlformats.org/drawingml/2006/main" xmlns:r="http://schemas.openxmlformats.org/officeDocument/2006/relationships" xmlns:p="http://schemas.openxmlformats.org/presentationml/2006/main" showMasterSp="0" showMasterPhAnim="0">
   <p:cSld>
     <p:spTree>
@@ -1997,7 +1887,7 @@
     </p:spTree>
     <p:extLst>
       <p:ext uri="{BB962C8B-B14F-4D97-AF65-F5344CB8AC3E}">
-        <p14:creationId xmlns:p14="http://schemas.microsoft.com/office/powerpoint/2010/main" val="813054704"/>
+        <p14:creationId xmlns:p14="http://schemas.microsoft.com/office/powerpoint/2010/main" val="3982360975"/>
       </p:ext>
     </p:extLst>
   </p:cSld>
@@ -2106,7 +1996,7 @@
     </p:spTree>
     <p:extLst>
       <p:ext uri="{BB962C8B-B14F-4D97-AF65-F5344CB8AC3E}">
-        <p14:creationId xmlns:p14="http://schemas.microsoft.com/office/powerpoint/2010/main" val="3982360975"/>
+        <p14:creationId xmlns:p14="http://schemas.microsoft.com/office/powerpoint/2010/main" val="1271136343"/>
       </p:ext>
     </p:extLst>
   </p:cSld>
@@ -2215,7 +2105,7 @@
     </p:spTree>
     <p:extLst>
       <p:ext uri="{BB962C8B-B14F-4D97-AF65-F5344CB8AC3E}">
-        <p14:creationId xmlns:p14="http://schemas.microsoft.com/office/powerpoint/2010/main" val="1271136343"/>
+        <p14:creationId xmlns:p14="http://schemas.microsoft.com/office/powerpoint/2010/main" val="2695727543"/>
       </p:ext>
     </p:extLst>
   </p:cSld>
@@ -10442,7 +10332,7 @@
                 <a:hlinkClick r:id="rId2">
                   <a:extLst>
                     <a:ext uri="{A12FA001-AC4F-418D-AE19-62706E023703}">
-                      <ahyp:hlinkClr xmlns:ahyp="http://schemas.microsoft.com/office/drawing/2018/hyperlinkcolor" xmlns:p15="http://schemas.microsoft.com/office/powerpoint/2012/main" xmlns:p14="http://schemas.microsoft.com/office/powerpoint/2010/main" xmlns:com="http://schemas.openxmlformats.org/drawingml/2006/compatibility" xmlns:pvml="urn:schemas-microsoft-com:office:powerpoint" xmlns:v="urn:schemas-microsoft-com:vml" xmlns:o="urn:schemas-microsoft-com:office:office" xmlns:dgm="http://schemas.openxmlformats.org/drawingml/2006/diagram" xmlns:c="http://schemas.openxmlformats.org/drawingml/2006/chart" xmlns:mv="urn:schemas-microsoft-com:mac:vml" xmlns:mc="http://schemas.openxmlformats.org/markup-compatibility/2006" xmlns="" val="tx"/>
+                      <ahyp:hlinkClr xmlns="" xmlns:mc="http://schemas.openxmlformats.org/markup-compatibility/2006" xmlns:mv="urn:schemas-microsoft-com:mac:vml" xmlns:c="http://schemas.openxmlformats.org/drawingml/2006/chart" xmlns:dgm="http://schemas.openxmlformats.org/drawingml/2006/diagram" xmlns:o="urn:schemas-microsoft-com:office:office" xmlns:v="urn:schemas-microsoft-com:vml" xmlns:pvml="urn:schemas-microsoft-com:office:powerpoint" xmlns:com="http://schemas.openxmlformats.org/drawingml/2006/compatibility" xmlns:p14="http://schemas.microsoft.com/office/powerpoint/2010/main" xmlns:p15="http://schemas.microsoft.com/office/powerpoint/2012/main" xmlns:ahyp="http://schemas.microsoft.com/office/drawing/2018/hyperlinkcolor" val="tx"/>
                     </a:ext>
                   </a:extLst>
                 </a:hlinkClick>
@@ -10476,7 +10366,7 @@
                 <a:hlinkClick r:id="rId3">
                   <a:extLst>
                     <a:ext uri="{A12FA001-AC4F-418D-AE19-62706E023703}">
-                      <ahyp:hlinkClr xmlns:ahyp="http://schemas.microsoft.com/office/drawing/2018/hyperlinkcolor" xmlns:p15="http://schemas.microsoft.com/office/powerpoint/2012/main" xmlns:p14="http://schemas.microsoft.com/office/powerpoint/2010/main" xmlns:com="http://schemas.openxmlformats.org/drawingml/2006/compatibility" xmlns:pvml="urn:schemas-microsoft-com:office:powerpoint" xmlns:v="urn:schemas-microsoft-com:vml" xmlns:o="urn:schemas-microsoft-com:office:office" xmlns:dgm="http://schemas.openxmlformats.org/drawingml/2006/diagram" xmlns:c="http://schemas.openxmlformats.org/drawingml/2006/chart" xmlns:mv="urn:schemas-microsoft-com:mac:vml" xmlns:mc="http://schemas.openxmlformats.org/markup-compatibility/2006" xmlns="" val="tx"/>
+                      <ahyp:hlinkClr xmlns="" xmlns:mc="http://schemas.openxmlformats.org/markup-compatibility/2006" xmlns:mv="urn:schemas-microsoft-com:mac:vml" xmlns:c="http://schemas.openxmlformats.org/drawingml/2006/chart" xmlns:dgm="http://schemas.openxmlformats.org/drawingml/2006/diagram" xmlns:o="urn:schemas-microsoft-com:office:office" xmlns:v="urn:schemas-microsoft-com:vml" xmlns:pvml="urn:schemas-microsoft-com:office:powerpoint" xmlns:com="http://schemas.openxmlformats.org/drawingml/2006/compatibility" xmlns:p14="http://schemas.microsoft.com/office/powerpoint/2010/main" xmlns:p15="http://schemas.microsoft.com/office/powerpoint/2012/main" xmlns:ahyp="http://schemas.microsoft.com/office/drawing/2018/hyperlinkcolor" val="tx"/>
                     </a:ext>
                   </a:extLst>
                 </a:hlinkClick>
@@ -10510,7 +10400,7 @@
                 <a:hlinkClick r:id="rId4">
                   <a:extLst>
                     <a:ext uri="{A12FA001-AC4F-418D-AE19-62706E023703}">
-                      <ahyp:hlinkClr xmlns:ahyp="http://schemas.microsoft.com/office/drawing/2018/hyperlinkcolor" xmlns:p15="http://schemas.microsoft.com/office/powerpoint/2012/main" xmlns:p14="http://schemas.microsoft.com/office/powerpoint/2010/main" xmlns:com="http://schemas.openxmlformats.org/drawingml/2006/compatibility" xmlns:pvml="urn:schemas-microsoft-com:office:powerpoint" xmlns:v="urn:schemas-microsoft-com:vml" xmlns:o="urn:schemas-microsoft-com:office:office" xmlns:dgm="http://schemas.openxmlformats.org/drawingml/2006/diagram" xmlns:c="http://schemas.openxmlformats.org/drawingml/2006/chart" xmlns:mv="urn:schemas-microsoft-com:mac:vml" xmlns:mc="http://schemas.openxmlformats.org/markup-compatibility/2006" xmlns="" val="tx"/>
+                      <ahyp:hlinkClr xmlns="" xmlns:mc="http://schemas.openxmlformats.org/markup-compatibility/2006" xmlns:mv="urn:schemas-microsoft-com:mac:vml" xmlns:c="http://schemas.openxmlformats.org/drawingml/2006/chart" xmlns:dgm="http://schemas.openxmlformats.org/drawingml/2006/diagram" xmlns:o="urn:schemas-microsoft-com:office:office" xmlns:v="urn:schemas-microsoft-com:vml" xmlns:pvml="urn:schemas-microsoft-com:office:powerpoint" xmlns:com="http://schemas.openxmlformats.org/drawingml/2006/compatibility" xmlns:p14="http://schemas.microsoft.com/office/powerpoint/2010/main" xmlns:p15="http://schemas.microsoft.com/office/powerpoint/2012/main" xmlns:ahyp="http://schemas.microsoft.com/office/drawing/2018/hyperlinkcolor" val="tx"/>
                     </a:ext>
                   </a:extLst>
                 </a:hlinkClick>
@@ -12180,7 +12070,11 @@
             </a:r>
             <a:r>
               <a:rPr lang="en-US" dirty="0" smtClean="0"/>
-              <a:t> Ngo</a:t>
+              <a:t> </a:t>
+            </a:r>
+            <a:r>
+              <a:rPr lang="en-US" dirty="0" smtClean="0"/>
+              <a:t>Ngo</a:t>
             </a:r>
           </a:p>
           <a:p>
@@ -12195,7 +12089,7 @@
             </a:pPr>
             <a:r>
               <a:rPr lang="en-US" dirty="0" smtClean="0"/>
-              <a:t>Member: </a:t>
+              <a:t>	 </a:t>
             </a:r>
             <a:r>
               <a:rPr lang="en-US" dirty="0" err="1" smtClean="0"/>
@@ -12203,7 +12097,11 @@
             </a:r>
             <a:r>
               <a:rPr lang="en-US" dirty="0" smtClean="0"/>
-              <a:t> Pham</a:t>
+              <a:t> </a:t>
+            </a:r>
+            <a:r>
+              <a:rPr lang="en-US" dirty="0" smtClean="0"/>
+              <a:t>Pham</a:t>
             </a:r>
           </a:p>
           <a:p>
@@ -12218,7 +12116,7 @@
             </a:pPr>
             <a:r>
               <a:rPr lang="en-US" dirty="0" smtClean="0"/>
-              <a:t>Member: </a:t>
+              <a:t>	 </a:t>
             </a:r>
             <a:r>
               <a:rPr lang="en-US" dirty="0" err="1" smtClean="0"/>
@@ -12226,7 +12124,11 @@
             </a:r>
             <a:r>
               <a:rPr lang="en-US" dirty="0" smtClean="0"/>
-              <a:t> Nguyen</a:t>
+              <a:t> </a:t>
+            </a:r>
+            <a:r>
+              <a:rPr lang="en-US" dirty="0" smtClean="0"/>
+              <a:t>Nguyen</a:t>
             </a:r>
             <a:endParaRPr dirty="0">
               <a:solidFill>
@@ -12874,22 +12776,7 @@
                   <a:schemeClr val="tx1"/>
                 </a:solidFill>
               </a:rPr>
-              <a:t>ADMIN-SIDE</a:t>
-            </a:r>
-            <a:br>
-              <a:rPr lang="en-US" dirty="0" smtClean="0">
-                <a:solidFill>
-                  <a:schemeClr val="tx1"/>
-                </a:solidFill>
-              </a:rPr>
-            </a:br>
-            <a:r>
-              <a:rPr lang="en-US" dirty="0" smtClean="0">
-                <a:solidFill>
-                  <a:schemeClr val="tx1"/>
-                </a:solidFill>
-              </a:rPr>
-              <a:t>FEATURES</a:t>
+              <a:t>DIFFICULTIES</a:t>
             </a:r>
             <a:endParaRPr dirty="0">
               <a:solidFill>
@@ -13010,7 +12897,7 @@
     </p:spTree>
     <p:extLst>
       <p:ext uri="{BB962C8B-B14F-4D97-AF65-F5344CB8AC3E}">
-        <p14:creationId xmlns:p14="http://schemas.microsoft.com/office/powerpoint/2010/main" val="4249545755"/>
+        <p14:creationId xmlns:p14="http://schemas.microsoft.com/office/powerpoint/2010/main" val="458902640"/>
       </p:ext>
     </p:extLst>
   </p:cSld>
@@ -13028,293 +12915,6 @@
 </file>
 
 <file path=ppt/slides/slide11.xml><?xml version="1.0" encoding="utf-8"?>
-<p:sld xmlns:a="http://schemas.openxmlformats.org/drawingml/2006/main" xmlns:r="http://schemas.openxmlformats.org/officeDocument/2006/relationships" xmlns:p="http://schemas.openxmlformats.org/presentationml/2006/main">
-  <p:cSld>
-    <p:spTree>
-      <p:nvGrpSpPr>
-        <p:cNvPr id="1" name="Shape 372"/>
-        <p:cNvGrpSpPr/>
-        <p:nvPr/>
-      </p:nvGrpSpPr>
-      <p:grpSpPr>
-        <a:xfrm>
-          <a:off x="0" y="0"/>
-          <a:ext cx="0" cy="0"/>
-          <a:chOff x="0" y="0"/>
-          <a:chExt cx="0" cy="0"/>
-        </a:xfrm>
-      </p:grpSpPr>
-      <p:sp>
-        <p:nvSpPr>
-          <p:cNvPr id="373" name="Google Shape;373;p31"/>
-          <p:cNvSpPr/>
-          <p:nvPr/>
-        </p:nvSpPr>
-        <p:spPr>
-          <a:xfrm>
-            <a:off x="631969" y="1062420"/>
-            <a:ext cx="2873100" cy="3023400"/>
-          </a:xfrm>
-          <a:prstGeom prst="roundRect">
-            <a:avLst>
-              <a:gd name="adj" fmla="val 9091"/>
-            </a:avLst>
-          </a:prstGeom>
-          <a:solidFill>
-            <a:srgbClr val="162535"/>
-          </a:solidFill>
-          <a:ln>
-            <a:noFill/>
-          </a:ln>
-        </p:spPr>
-        <p:txBody>
-          <a:bodyPr spcFirstLastPara="1" wrap="square" lIns="91425" tIns="91425" rIns="91425" bIns="91425" anchor="ctr" anchorCtr="0">
-            <a:noAutofit/>
-          </a:bodyPr>
-          <a:lstStyle/>
-          <a:p>
-            <a:pPr marL="0" lvl="0" indent="0" algn="l" rtl="0">
-              <a:spcBef>
-                <a:spcPts val="0"/>
-              </a:spcBef>
-              <a:spcAft>
-                <a:spcPts val="0"/>
-              </a:spcAft>
-              <a:buNone/>
-            </a:pPr>
-            <a:endParaRPr>
-              <a:solidFill>
-                <a:schemeClr val="lt1"/>
-              </a:solidFill>
-            </a:endParaRPr>
-          </a:p>
-        </p:txBody>
-      </p:sp>
-      <p:sp>
-        <p:nvSpPr>
-          <p:cNvPr id="374" name="Google Shape;374;p31"/>
-          <p:cNvSpPr/>
-          <p:nvPr/>
-        </p:nvSpPr>
-        <p:spPr>
-          <a:xfrm>
-            <a:off x="3836563" y="1062420"/>
-            <a:ext cx="5063100" cy="3023400"/>
-          </a:xfrm>
-          <a:prstGeom prst="roundRect">
-            <a:avLst>
-              <a:gd name="adj" fmla="val 9091"/>
-            </a:avLst>
-          </a:prstGeom>
-          <a:solidFill>
-            <a:schemeClr val="dk2"/>
-          </a:solidFill>
-          <a:ln>
-            <a:noFill/>
-          </a:ln>
-        </p:spPr>
-        <p:txBody>
-          <a:bodyPr spcFirstLastPara="1" wrap="square" lIns="91425" tIns="91425" rIns="91425" bIns="91425" anchor="ctr" anchorCtr="0">
-            <a:noAutofit/>
-          </a:bodyPr>
-          <a:lstStyle/>
-          <a:p>
-            <a:pPr marL="0" lvl="0" indent="0" algn="l" rtl="0">
-              <a:spcBef>
-                <a:spcPts val="0"/>
-              </a:spcBef>
-              <a:spcAft>
-                <a:spcPts val="0"/>
-              </a:spcAft>
-              <a:buNone/>
-            </a:pPr>
-            <a:endParaRPr>
-              <a:solidFill>
-                <a:schemeClr val="lt1"/>
-              </a:solidFill>
-            </a:endParaRPr>
-          </a:p>
-        </p:txBody>
-      </p:sp>
-      <p:sp>
-        <p:nvSpPr>
-          <p:cNvPr id="375" name="Google Shape;375;p31"/>
-          <p:cNvSpPr txBox="1">
-            <a:spLocks noGrp="1"/>
-          </p:cNvSpPr>
-          <p:nvPr>
-            <p:ph type="title"/>
-          </p:nvPr>
-        </p:nvSpPr>
-        <p:spPr>
-          <a:xfrm>
-            <a:off x="3934516" y="1972860"/>
-            <a:ext cx="4867194" cy="1202520"/>
-          </a:xfrm>
-          <a:prstGeom prst="rect">
-            <a:avLst/>
-          </a:prstGeom>
-        </p:spPr>
-        <p:txBody>
-          <a:bodyPr spcFirstLastPara="1" wrap="square" lIns="0" tIns="0" rIns="0" bIns="0" anchor="ctr" anchorCtr="0">
-            <a:noAutofit/>
-          </a:bodyPr>
-          <a:lstStyle/>
-          <a:p>
-            <a:pPr marL="0" lvl="0" indent="0" algn="ctr" rtl="0">
-              <a:spcBef>
-                <a:spcPts val="0"/>
-              </a:spcBef>
-              <a:spcAft>
-                <a:spcPts val="0"/>
-              </a:spcAft>
-              <a:buNone/>
-            </a:pPr>
-            <a:r>
-              <a:rPr lang="en-US" dirty="0" smtClean="0">
-                <a:solidFill>
-                  <a:schemeClr val="tx1"/>
-                </a:solidFill>
-              </a:rPr>
-              <a:t>DIFFICULTIES</a:t>
-            </a:r>
-            <a:endParaRPr dirty="0">
-              <a:solidFill>
-                <a:schemeClr val="tx1"/>
-              </a:solidFill>
-            </a:endParaRPr>
-          </a:p>
-        </p:txBody>
-      </p:sp>
-      <p:sp>
-        <p:nvSpPr>
-          <p:cNvPr id="376" name="Google Shape;376;p31"/>
-          <p:cNvSpPr txBox="1">
-            <a:spLocks noGrp="1"/>
-          </p:cNvSpPr>
-          <p:nvPr>
-            <p:ph type="title" idx="2"/>
-          </p:nvPr>
-        </p:nvSpPr>
-        <p:spPr>
-          <a:xfrm>
-            <a:off x="963463" y="1295997"/>
-            <a:ext cx="2023200" cy="1949100"/>
-          </a:xfrm>
-          <a:prstGeom prst="rect">
-            <a:avLst/>
-          </a:prstGeom>
-        </p:spPr>
-        <p:txBody>
-          <a:bodyPr spcFirstLastPara="1" wrap="square" lIns="91425" tIns="91425" rIns="91425" bIns="91425" anchor="ctr" anchorCtr="0">
-            <a:noAutofit/>
-          </a:bodyPr>
-          <a:lstStyle/>
-          <a:p>
-            <a:pPr marL="0" lvl="0" indent="0" algn="ctr" rtl="0">
-              <a:spcBef>
-                <a:spcPts val="0"/>
-              </a:spcBef>
-              <a:spcAft>
-                <a:spcPts val="0"/>
-              </a:spcAft>
-              <a:buNone/>
-            </a:pPr>
-            <a:r>
-              <a:rPr lang="en" dirty="0">
-                <a:solidFill>
-                  <a:schemeClr val="lt1"/>
-                </a:solidFill>
-              </a:rPr>
-              <a:t>6</a:t>
-            </a:r>
-            <a:r>
-              <a:rPr lang="en" dirty="0" smtClean="0">
-                <a:solidFill>
-                  <a:schemeClr val="lt1"/>
-                </a:solidFill>
-              </a:rPr>
-              <a:t>.</a:t>
-            </a:r>
-            <a:endParaRPr dirty="0">
-              <a:solidFill>
-                <a:schemeClr val="lt1"/>
-              </a:solidFill>
-            </a:endParaRPr>
-          </a:p>
-        </p:txBody>
-      </p:sp>
-      <p:sp>
-        <p:nvSpPr>
-          <p:cNvPr id="378" name="Google Shape;378;p31"/>
-          <p:cNvSpPr/>
-          <p:nvPr/>
-        </p:nvSpPr>
-        <p:spPr>
-          <a:xfrm>
-            <a:off x="1139075" y="3089684"/>
-            <a:ext cx="1847588" cy="72616"/>
-          </a:xfrm>
-          <a:prstGeom prst="roundRect">
-            <a:avLst>
-              <a:gd name="adj" fmla="val 50000"/>
-            </a:avLst>
-          </a:prstGeom>
-          <a:solidFill>
-            <a:schemeClr val="dk2"/>
-          </a:solidFill>
-          <a:ln>
-            <a:noFill/>
-          </a:ln>
-        </p:spPr>
-        <p:txBody>
-          <a:bodyPr spcFirstLastPara="1" wrap="square" lIns="91425" tIns="91425" rIns="91425" bIns="91425" anchor="ctr" anchorCtr="0">
-            <a:noAutofit/>
-          </a:bodyPr>
-          <a:lstStyle/>
-          <a:p>
-            <a:pPr marL="0" lvl="0" indent="0" algn="l" rtl="0">
-              <a:spcBef>
-                <a:spcPts val="0"/>
-              </a:spcBef>
-              <a:spcAft>
-                <a:spcPts val="0"/>
-              </a:spcAft>
-              <a:buNone/>
-            </a:pPr>
-            <a:endParaRPr b="1" dirty="0">
-              <a:solidFill>
-                <a:schemeClr val="lt1"/>
-              </a:solidFill>
-              <a:latin typeface="Montserrat"/>
-              <a:ea typeface="Montserrat"/>
-              <a:cs typeface="Montserrat"/>
-              <a:sym typeface="Montserrat"/>
-            </a:endParaRPr>
-          </a:p>
-        </p:txBody>
-      </p:sp>
-    </p:spTree>
-    <p:extLst>
-      <p:ext uri="{BB962C8B-B14F-4D97-AF65-F5344CB8AC3E}">
-        <p14:creationId xmlns:p14="http://schemas.microsoft.com/office/powerpoint/2010/main" val="458902640"/>
-      </p:ext>
-    </p:extLst>
-  </p:cSld>
-  <p:clrMapOvr>
-    <a:masterClrMapping/>
-  </p:clrMapOvr>
-  <p:timing>
-    <p:tnLst>
-      <p:par>
-        <p:cTn id="1" dur="indefinite" restart="never" nodeType="tmRoot"/>
-      </p:par>
-    </p:tnLst>
-  </p:timing>
-</p:sld>
-</file>
-
-<file path=ppt/slides/slide12.xml><?xml version="1.0" encoding="utf-8"?>
 <p:sld xmlns:a="http://schemas.openxmlformats.org/drawingml/2006/main" xmlns:r="http://schemas.openxmlformats.org/officeDocument/2006/relationships" xmlns:p="http://schemas.openxmlformats.org/presentationml/2006/main">
   <p:cSld>
     <p:spTree>
@@ -13659,7 +13259,19 @@
             </a:r>
             <a:r>
               <a:rPr lang="en" dirty="0" smtClean="0"/>
-              <a:t>on-consistent of variables name, </a:t>
+              <a:t>on-consistent </a:t>
+            </a:r>
+            <a:r>
+              <a:rPr lang="en" dirty="0" smtClean="0"/>
+              <a:t>in </a:t>
+            </a:r>
+            <a:r>
+              <a:rPr lang="en" dirty="0" smtClean="0"/>
+              <a:t>variables </a:t>
+            </a:r>
+            <a:r>
+              <a:rPr lang="en" dirty="0" smtClean="0"/>
+              <a:t>name, </a:t>
             </a:r>
           </a:p>
           <a:p>
@@ -15075,7 +14687,7 @@
 </p:sld>
 </file>
 
-<file path=ppt/slides/slide13.xml><?xml version="1.0" encoding="utf-8"?>
+<file path=ppt/slides/slide12.xml><?xml version="1.0" encoding="utf-8"?>
 <p:sld xmlns:a="http://schemas.openxmlformats.org/drawingml/2006/main" xmlns:r="http://schemas.openxmlformats.org/officeDocument/2006/relationships" xmlns:p="http://schemas.openxmlformats.org/presentationml/2006/main">
   <p:cSld>
     <p:spTree>
@@ -15274,7 +14886,7 @@
                   <a:schemeClr val="lt1"/>
                 </a:solidFill>
               </a:rPr>
-              <a:t>6</a:t>
+              <a:t>5</a:t>
             </a:r>
             <a:r>
               <a:rPr lang="en" dirty="0" smtClean="0">
@@ -15362,7 +14974,7 @@
 </p:sld>
 </file>
 
-<file path=ppt/slides/slide14.xml><?xml version="1.0" encoding="utf-8"?>
+<file path=ppt/slides/slide13.xml><?xml version="1.0" encoding="utf-8"?>
 <p:sld xmlns:a="http://schemas.openxmlformats.org/drawingml/2006/main" xmlns:r="http://schemas.openxmlformats.org/officeDocument/2006/relationships" xmlns:p="http://schemas.openxmlformats.org/presentationml/2006/main">
   <p:cSld>
     <p:spTree>
@@ -17104,7 +16716,7 @@
 </p:sld>
 </file>
 
-<file path=ppt/slides/slide15.xml><?xml version="1.0" encoding="utf-8"?>
+<file path=ppt/slides/slide14.xml><?xml version="1.0" encoding="utf-8"?>
 <p:sld xmlns:a="http://schemas.openxmlformats.org/drawingml/2006/main" xmlns:r="http://schemas.openxmlformats.org/officeDocument/2006/relationships" xmlns:p="http://schemas.openxmlformats.org/presentationml/2006/main">
   <p:cSld>
     <p:spTree>
@@ -18065,7 +17677,7 @@
         </p:nvSpPr>
         <p:spPr>
           <a:xfrm>
-            <a:off x="472600" y="3623600"/>
+            <a:off x="462700" y="3623600"/>
             <a:ext cx="3957300" cy="1095900"/>
           </a:xfrm>
           <a:prstGeom prst="roundRect">
@@ -18270,7 +17882,7 @@
           </a:bodyPr>
           <a:lstStyle/>
           <a:p>
-            <a:pPr marL="0" lvl="0" indent="0" algn="l" rtl="0">
+            <a:pPr marL="0" lvl="0" indent="0" rtl="0">
               <a:spcBef>
                 <a:spcPts val="0"/>
               </a:spcBef>
@@ -18357,7 +17969,7 @@
         </p:nvSpPr>
         <p:spPr>
           <a:xfrm>
-            <a:off x="1406975" y="2728476"/>
+            <a:off x="5515800" y="3963126"/>
             <a:ext cx="2832000" cy="390300"/>
           </a:xfrm>
           <a:prstGeom prst="rect">
@@ -18370,7 +17982,7 @@
           </a:bodyPr>
           <a:lstStyle/>
           <a:p>
-            <a:pPr marL="0" lvl="0" indent="0" algn="l" rtl="0">
+            <a:pPr marL="0" lvl="0" indent="0" rtl="0">
               <a:spcBef>
                 <a:spcPts val="0"/>
               </a:spcBef>
@@ -18385,7 +17997,7 @@
                   <a:schemeClr val="lt1"/>
                 </a:solidFill>
               </a:rPr>
-              <a:t>Demo Website</a:t>
+              <a:t>Q&amp;A</a:t>
             </a:r>
             <a:endParaRPr dirty="0">
               <a:solidFill>
@@ -18430,12 +18042,20 @@
               <a:buNone/>
             </a:pPr>
             <a:r>
+              <a:rPr lang="en" dirty="0">
+                <a:solidFill>
+                  <a:schemeClr val="lt1"/>
+                </a:solidFill>
+              </a:rPr>
+              <a:t>3</a:t>
+            </a:r>
+            <a:r>
               <a:rPr lang="en" dirty="0" smtClean="0">
                 <a:solidFill>
                   <a:schemeClr val="lt1"/>
                 </a:solidFill>
               </a:rPr>
-              <a:t>3.</a:t>
+              <a:t>.</a:t>
             </a:r>
             <a:endParaRPr dirty="0">
               <a:solidFill>
@@ -18457,7 +18077,7 @@
         </p:nvSpPr>
         <p:spPr>
           <a:xfrm>
-            <a:off x="5592000" y="1425728"/>
+            <a:off x="5515800" y="1371153"/>
             <a:ext cx="2832000" cy="841610"/>
           </a:xfrm>
           <a:prstGeom prst="rect">
@@ -18470,7 +18090,7 @@
           </a:bodyPr>
           <a:lstStyle/>
           <a:p>
-            <a:pPr lvl="0" algn="ctr"/>
+            <a:pPr lvl="0"/>
             <a:r>
               <a:rPr lang="en-US" dirty="0">
                 <a:solidFill>
@@ -18572,7 +18192,7 @@
         </p:nvSpPr>
         <p:spPr>
           <a:xfrm>
-            <a:off x="5705200" y="2763490"/>
+            <a:off x="1327982" y="2782024"/>
             <a:ext cx="2832000" cy="390300"/>
           </a:xfrm>
           <a:prstGeom prst="rect">
@@ -18585,7 +18205,7 @@
           </a:bodyPr>
           <a:lstStyle/>
           <a:p>
-            <a:pPr marL="0" lvl="0" indent="0" algn="l" rtl="0">
+            <a:pPr marL="0" lvl="0" indent="0" rtl="0">
               <a:spcBef>
                 <a:spcPts val="0"/>
               </a:spcBef>
@@ -18672,7 +18292,7 @@
         </p:nvSpPr>
         <p:spPr>
           <a:xfrm>
-            <a:off x="1407906" y="3923226"/>
+            <a:off x="5515800" y="2766422"/>
             <a:ext cx="3021993" cy="390300"/>
           </a:xfrm>
           <a:prstGeom prst="rect">
@@ -18685,7 +18305,7 @@
           </a:bodyPr>
           <a:lstStyle/>
           <a:p>
-            <a:pPr marL="0" lvl="0" indent="0" algn="l" rtl="0">
+            <a:pPr marL="0" lvl="0" indent="0" rtl="0">
               <a:spcBef>
                 <a:spcPts val="0"/>
               </a:spcBef>
@@ -18772,7 +18392,7 @@
         </p:nvSpPr>
         <p:spPr>
           <a:xfrm>
-            <a:off x="5592000" y="3748692"/>
+            <a:off x="1246943" y="3701344"/>
             <a:ext cx="2832000" cy="913864"/>
           </a:xfrm>
           <a:prstGeom prst="rect">
@@ -18785,7 +18405,7 @@
           </a:bodyPr>
           <a:lstStyle/>
           <a:p>
-            <a:pPr marL="0" lvl="0" indent="0" algn="ctr" rtl="0">
+            <a:pPr marL="0" lvl="0" indent="0" rtl="0">
               <a:spcBef>
                 <a:spcPts val="0"/>
               </a:spcBef>
@@ -19686,7 +19306,7 @@
         </p:nvSpPr>
         <p:spPr>
           <a:xfrm>
-            <a:off x="1007866" y="1519311"/>
+            <a:off x="966615" y="1746192"/>
             <a:ext cx="6198107" cy="1942232"/>
           </a:xfrm>
           <a:prstGeom prst="rect">
@@ -20277,341 +19897,6 @@
           <a:chExt cx="0" cy="0"/>
         </a:xfrm>
       </p:grpSpPr>
-      <p:sp>
-        <p:nvSpPr>
-          <p:cNvPr id="3" name="Google Shape;386;p32"/>
-          <p:cNvSpPr/>
-          <p:nvPr/>
-        </p:nvSpPr>
-        <p:spPr>
-          <a:xfrm>
-            <a:off x="703868" y="427703"/>
-            <a:ext cx="2595592" cy="700057"/>
-          </a:xfrm>
-          <a:prstGeom prst="roundRect">
-            <a:avLst>
-              <a:gd name="adj" fmla="val 50000"/>
-            </a:avLst>
-          </a:prstGeom>
-          <a:solidFill>
-            <a:schemeClr val="dk1"/>
-          </a:solidFill>
-          <a:ln>
-            <a:noFill/>
-          </a:ln>
-        </p:spPr>
-        <p:txBody>
-          <a:bodyPr spcFirstLastPara="1" wrap="square" lIns="91425" tIns="91425" rIns="91425" bIns="91425" anchor="ctr" anchorCtr="0">
-            <a:noAutofit/>
-          </a:bodyPr>
-          <a:lstStyle/>
-          <a:p>
-            <a:pPr marL="0" lvl="0" indent="0" algn="l" rtl="0">
-              <a:spcBef>
-                <a:spcPts val="0"/>
-              </a:spcBef>
-              <a:spcAft>
-                <a:spcPts val="0"/>
-              </a:spcAft>
-              <a:buNone/>
-            </a:pPr>
-            <a:endParaRPr>
-              <a:solidFill>
-                <a:schemeClr val="lt1"/>
-              </a:solidFill>
-            </a:endParaRPr>
-          </a:p>
-        </p:txBody>
-      </p:sp>
-      <p:sp>
-        <p:nvSpPr>
-          <p:cNvPr id="4" name="Google Shape;387;p32"/>
-          <p:cNvSpPr txBox="1">
-            <a:spLocks/>
-          </p:cNvSpPr>
-          <p:nvPr/>
-        </p:nvSpPr>
-        <p:spPr>
-          <a:xfrm>
-            <a:off x="934213" y="451001"/>
-            <a:ext cx="2365247" cy="676759"/>
-          </a:xfrm>
-          <a:prstGeom prst="rect">
-            <a:avLst/>
-          </a:prstGeom>
-          <a:noFill/>
-          <a:ln>
-            <a:noFill/>
-          </a:ln>
-        </p:spPr>
-        <p:txBody>
-          <a:bodyPr spcFirstLastPara="1" wrap="square" lIns="0" tIns="0" rIns="0" bIns="0" anchor="ctr" anchorCtr="0">
-            <a:noAutofit/>
-          </a:bodyPr>
-          <a:lstStyle>
-            <a:defPPr marR="0" lvl="0" algn="l" rtl="0">
-              <a:lnSpc>
-                <a:spcPct val="100000"/>
-              </a:lnSpc>
-              <a:spcBef>
-                <a:spcPts val="0"/>
-              </a:spcBef>
-              <a:spcAft>
-                <a:spcPts val="0"/>
-              </a:spcAft>
-            </a:defPPr>
-            <a:lvl1pPr marR="0" lvl="0" algn="l" rtl="0">
-              <a:lnSpc>
-                <a:spcPct val="100000"/>
-              </a:lnSpc>
-              <a:spcBef>
-                <a:spcPts val="0"/>
-              </a:spcBef>
-              <a:spcAft>
-                <a:spcPts val="0"/>
-              </a:spcAft>
-              <a:buClr>
-                <a:schemeClr val="dk1"/>
-              </a:buClr>
-              <a:buSzPts val="3500"/>
-              <a:buFont typeface="Montserrat"/>
-              <a:buNone/>
-              <a:defRPr sz="3000" b="1" i="0" u="none" strike="noStrike" cap="none">
-                <a:solidFill>
-                  <a:schemeClr val="dk1"/>
-                </a:solidFill>
-                <a:latin typeface="Montserrat"/>
-                <a:ea typeface="Montserrat"/>
-                <a:cs typeface="Montserrat"/>
-                <a:sym typeface="Montserrat"/>
-              </a:defRPr>
-            </a:lvl1pPr>
-            <a:lvl2pPr marR="0" lvl="1" algn="l" rtl="0">
-              <a:lnSpc>
-                <a:spcPct val="100000"/>
-              </a:lnSpc>
-              <a:spcBef>
-                <a:spcPts val="0"/>
-              </a:spcBef>
-              <a:spcAft>
-                <a:spcPts val="0"/>
-              </a:spcAft>
-              <a:buClr>
-                <a:schemeClr val="dk1"/>
-              </a:buClr>
-              <a:buSzPts val="3500"/>
-              <a:buFont typeface="Montserrat"/>
-              <a:buNone/>
-              <a:defRPr sz="3500" b="1" i="0" u="none" strike="noStrike" cap="none">
-                <a:solidFill>
-                  <a:schemeClr val="dk1"/>
-                </a:solidFill>
-                <a:latin typeface="Montserrat"/>
-                <a:ea typeface="Montserrat"/>
-                <a:cs typeface="Montserrat"/>
-                <a:sym typeface="Montserrat"/>
-              </a:defRPr>
-            </a:lvl2pPr>
-            <a:lvl3pPr marR="0" lvl="2" algn="l" rtl="0">
-              <a:lnSpc>
-                <a:spcPct val="100000"/>
-              </a:lnSpc>
-              <a:spcBef>
-                <a:spcPts val="0"/>
-              </a:spcBef>
-              <a:spcAft>
-                <a:spcPts val="0"/>
-              </a:spcAft>
-              <a:buClr>
-                <a:schemeClr val="dk1"/>
-              </a:buClr>
-              <a:buSzPts val="3500"/>
-              <a:buFont typeface="Montserrat"/>
-              <a:buNone/>
-              <a:defRPr sz="3500" b="1" i="0" u="none" strike="noStrike" cap="none">
-                <a:solidFill>
-                  <a:schemeClr val="dk1"/>
-                </a:solidFill>
-                <a:latin typeface="Montserrat"/>
-                <a:ea typeface="Montserrat"/>
-                <a:cs typeface="Montserrat"/>
-                <a:sym typeface="Montserrat"/>
-              </a:defRPr>
-            </a:lvl3pPr>
-            <a:lvl4pPr marR="0" lvl="3" algn="l" rtl="0">
-              <a:lnSpc>
-                <a:spcPct val="100000"/>
-              </a:lnSpc>
-              <a:spcBef>
-                <a:spcPts val="0"/>
-              </a:spcBef>
-              <a:spcAft>
-                <a:spcPts val="0"/>
-              </a:spcAft>
-              <a:buClr>
-                <a:schemeClr val="dk1"/>
-              </a:buClr>
-              <a:buSzPts val="3500"/>
-              <a:buFont typeface="Montserrat"/>
-              <a:buNone/>
-              <a:defRPr sz="3500" b="1" i="0" u="none" strike="noStrike" cap="none">
-                <a:solidFill>
-                  <a:schemeClr val="dk1"/>
-                </a:solidFill>
-                <a:latin typeface="Montserrat"/>
-                <a:ea typeface="Montserrat"/>
-                <a:cs typeface="Montserrat"/>
-                <a:sym typeface="Montserrat"/>
-              </a:defRPr>
-            </a:lvl4pPr>
-            <a:lvl5pPr marR="0" lvl="4" algn="l" rtl="0">
-              <a:lnSpc>
-                <a:spcPct val="100000"/>
-              </a:lnSpc>
-              <a:spcBef>
-                <a:spcPts val="0"/>
-              </a:spcBef>
-              <a:spcAft>
-                <a:spcPts val="0"/>
-              </a:spcAft>
-              <a:buClr>
-                <a:schemeClr val="dk1"/>
-              </a:buClr>
-              <a:buSzPts val="3500"/>
-              <a:buFont typeface="Montserrat"/>
-              <a:buNone/>
-              <a:defRPr sz="3500" b="1" i="0" u="none" strike="noStrike" cap="none">
-                <a:solidFill>
-                  <a:schemeClr val="dk1"/>
-                </a:solidFill>
-                <a:latin typeface="Montserrat"/>
-                <a:ea typeface="Montserrat"/>
-                <a:cs typeface="Montserrat"/>
-                <a:sym typeface="Montserrat"/>
-              </a:defRPr>
-            </a:lvl5pPr>
-            <a:lvl6pPr marR="0" lvl="5" algn="l" rtl="0">
-              <a:lnSpc>
-                <a:spcPct val="100000"/>
-              </a:lnSpc>
-              <a:spcBef>
-                <a:spcPts val="0"/>
-              </a:spcBef>
-              <a:spcAft>
-                <a:spcPts val="0"/>
-              </a:spcAft>
-              <a:buClr>
-                <a:schemeClr val="dk1"/>
-              </a:buClr>
-              <a:buSzPts val="3500"/>
-              <a:buFont typeface="Montserrat"/>
-              <a:buNone/>
-              <a:defRPr sz="3500" b="1" i="0" u="none" strike="noStrike" cap="none">
-                <a:solidFill>
-                  <a:schemeClr val="dk1"/>
-                </a:solidFill>
-                <a:latin typeface="Montserrat"/>
-                <a:ea typeface="Montserrat"/>
-                <a:cs typeface="Montserrat"/>
-                <a:sym typeface="Montserrat"/>
-              </a:defRPr>
-            </a:lvl6pPr>
-            <a:lvl7pPr marR="0" lvl="6" algn="l" rtl="0">
-              <a:lnSpc>
-                <a:spcPct val="100000"/>
-              </a:lnSpc>
-              <a:spcBef>
-                <a:spcPts val="0"/>
-              </a:spcBef>
-              <a:spcAft>
-                <a:spcPts val="0"/>
-              </a:spcAft>
-              <a:buClr>
-                <a:schemeClr val="dk1"/>
-              </a:buClr>
-              <a:buSzPts val="3500"/>
-              <a:buFont typeface="Montserrat"/>
-              <a:buNone/>
-              <a:defRPr sz="3500" b="1" i="0" u="none" strike="noStrike" cap="none">
-                <a:solidFill>
-                  <a:schemeClr val="dk1"/>
-                </a:solidFill>
-                <a:latin typeface="Montserrat"/>
-                <a:ea typeface="Montserrat"/>
-                <a:cs typeface="Montserrat"/>
-                <a:sym typeface="Montserrat"/>
-              </a:defRPr>
-            </a:lvl7pPr>
-            <a:lvl8pPr marR="0" lvl="7" algn="l" rtl="0">
-              <a:lnSpc>
-                <a:spcPct val="100000"/>
-              </a:lnSpc>
-              <a:spcBef>
-                <a:spcPts val="0"/>
-              </a:spcBef>
-              <a:spcAft>
-                <a:spcPts val="0"/>
-              </a:spcAft>
-              <a:buClr>
-                <a:schemeClr val="dk1"/>
-              </a:buClr>
-              <a:buSzPts val="3500"/>
-              <a:buFont typeface="Montserrat"/>
-              <a:buNone/>
-              <a:defRPr sz="3500" b="1" i="0" u="none" strike="noStrike" cap="none">
-                <a:solidFill>
-                  <a:schemeClr val="dk1"/>
-                </a:solidFill>
-                <a:latin typeface="Montserrat"/>
-                <a:ea typeface="Montserrat"/>
-                <a:cs typeface="Montserrat"/>
-                <a:sym typeface="Montserrat"/>
-              </a:defRPr>
-            </a:lvl8pPr>
-            <a:lvl9pPr marR="0" lvl="8" algn="l" rtl="0">
-              <a:lnSpc>
-                <a:spcPct val="100000"/>
-              </a:lnSpc>
-              <a:spcBef>
-                <a:spcPts val="0"/>
-              </a:spcBef>
-              <a:spcAft>
-                <a:spcPts val="0"/>
-              </a:spcAft>
-              <a:buClr>
-                <a:schemeClr val="dk1"/>
-              </a:buClr>
-              <a:buSzPts val="3500"/>
-              <a:buFont typeface="Montserrat"/>
-              <a:buNone/>
-              <a:defRPr sz="3500" b="1" i="0" u="none" strike="noStrike" cap="none">
-                <a:solidFill>
-                  <a:schemeClr val="dk1"/>
-                </a:solidFill>
-                <a:latin typeface="Montserrat"/>
-                <a:ea typeface="Montserrat"/>
-                <a:cs typeface="Montserrat"/>
-                <a:sym typeface="Montserrat"/>
-              </a:defRPr>
-            </a:lvl9pPr>
-          </a:lstStyle>
-          <a:p>
-            <a:r>
-              <a:rPr lang="en-US" dirty="0" smtClean="0">
-                <a:solidFill>
-                  <a:schemeClr val="lt1"/>
-                </a:solidFill>
-              </a:rPr>
-              <a:t>Our Tasks</a:t>
-            </a:r>
-            <a:endParaRPr lang="en-US" dirty="0">
-              <a:solidFill>
-                <a:schemeClr val="lt1"/>
-              </a:solidFill>
-            </a:endParaRPr>
-          </a:p>
-        </p:txBody>
-      </p:sp>
       <p:pic>
         <p:nvPicPr>
           <p:cNvPr id="6" name="Picture 5"/>
@@ -20628,8 +19913,8 @@
         </p:blipFill>
         <p:spPr>
           <a:xfrm>
-            <a:off x="2001664" y="1278058"/>
-            <a:ext cx="5499100" cy="3430217"/>
+            <a:off x="628815" y="7620"/>
+            <a:ext cx="7876763" cy="5143500"/>
           </a:xfrm>
           <a:prstGeom prst="rect">
             <a:avLst/>
@@ -20805,7 +20090,22 @@
                   <a:schemeClr val="tx1"/>
                 </a:solidFill>
               </a:rPr>
-              <a:t>DEMO</a:t>
+              <a:t>USER-SIDE</a:t>
+            </a:r>
+            <a:br>
+              <a:rPr lang="en-US" dirty="0" smtClean="0">
+                <a:solidFill>
+                  <a:schemeClr val="tx1"/>
+                </a:solidFill>
+              </a:rPr>
+            </a:br>
+            <a:r>
+              <a:rPr lang="en-US" dirty="0" smtClean="0">
+                <a:solidFill>
+                  <a:schemeClr val="tx1"/>
+                </a:solidFill>
+              </a:rPr>
+              <a:t>FEATURES</a:t>
             </a:r>
             <a:endParaRPr dirty="0">
               <a:solidFill>
@@ -20850,12 +20150,20 @@
               <a:buNone/>
             </a:pPr>
             <a:r>
+              <a:rPr lang="en" dirty="0">
+                <a:solidFill>
+                  <a:schemeClr val="lt1"/>
+                </a:solidFill>
+              </a:rPr>
+              <a:t>3</a:t>
+            </a:r>
+            <a:r>
               <a:rPr lang="en" dirty="0" smtClean="0">
                 <a:solidFill>
                   <a:schemeClr val="lt1"/>
                 </a:solidFill>
               </a:rPr>
-              <a:t>3.</a:t>
+              <a:t>.</a:t>
             </a:r>
             <a:endParaRPr dirty="0">
               <a:solidFill>
@@ -20918,7 +20226,7 @@
     </p:spTree>
     <p:extLst>
       <p:ext uri="{BB962C8B-B14F-4D97-AF65-F5344CB8AC3E}">
-        <p14:creationId xmlns:p14="http://schemas.microsoft.com/office/powerpoint/2010/main" val="1711721340"/>
+        <p14:creationId xmlns:p14="http://schemas.microsoft.com/office/powerpoint/2010/main" val="39980219"/>
       </p:ext>
     </p:extLst>
   </p:cSld>
@@ -21084,7 +20392,7 @@
                   <a:schemeClr val="tx1"/>
                 </a:solidFill>
               </a:rPr>
-              <a:t>USER-SIDE</a:t>
+              <a:t>ADMIN-SIDE</a:t>
             </a:r>
             <a:br>
               <a:rPr lang="en-US" dirty="0" smtClean="0">
@@ -21220,7 +20528,7 @@
     </p:spTree>
     <p:extLst>
       <p:ext uri="{BB962C8B-B14F-4D97-AF65-F5344CB8AC3E}">
-        <p14:creationId xmlns:p14="http://schemas.microsoft.com/office/powerpoint/2010/main" val="39980219"/>
+        <p14:creationId xmlns:p14="http://schemas.microsoft.com/office/powerpoint/2010/main" val="4249545755"/>
       </p:ext>
     </p:extLst>
   </p:cSld>
